--- a/doc/SDVPN.pptx
+++ b/doc/SDVPN.pptx
@@ -8,8 +8,9 @@
     <p:sldId id="256" r:id="rId2"/>
     <p:sldId id="257" r:id="rId3"/>
     <p:sldId id="258" r:id="rId4"/>
-    <p:sldId id="259" r:id="rId5"/>
-    <p:sldId id="260" r:id="rId6"/>
+    <p:sldId id="260" r:id="rId5"/>
+    <p:sldId id="259" r:id="rId6"/>
+    <p:sldId id="261" r:id="rId7"/>
   </p:sldIdLst>
   <p:sldSz cx="12192000" cy="6858000"/>
   <p:notesSz cx="6858000" cy="9144000"/>
@@ -108,6 +109,11 @@
       </a:defRPr>
     </a:lvl9pPr>
   </p:defaultTextStyle>
+  <p:extLst>
+    <p:ext uri="{EFAFB233-063F-42B5-8137-9DF3F51BA10A}">
+      <p15:sldGuideLst xmlns:p15="http://schemas.microsoft.com/office/powerpoint/2012/main"/>
+    </p:ext>
+  </p:extLst>
 </p:presentation>
 </file>
 
@@ -294,7 +300,7 @@
           <a:p>
             <a:fld id="{F8EA0A65-D564-4275-B65B-4D4E4DFBBA87}" type="datetimeFigureOut">
               <a:rPr lang="en-US" smtClean="0"/>
-              <a:t>10/7/2015</a:t>
+              <a:t>10/12/2015</a:t>
             </a:fld>
             <a:endParaRPr lang="en-US"/>
           </a:p>
@@ -569,7 +575,7 @@
           <a:p>
             <a:fld id="{F8EA0A65-D564-4275-B65B-4D4E4DFBBA87}" type="datetimeFigureOut">
               <a:rPr lang="en-US" smtClean="0"/>
-              <a:t>10/7/2015</a:t>
+              <a:t>10/12/2015</a:t>
             </a:fld>
             <a:endParaRPr lang="en-US"/>
           </a:p>
@@ -763,7 +769,7 @@
           <a:p>
             <a:fld id="{F8EA0A65-D564-4275-B65B-4D4E4DFBBA87}" type="datetimeFigureOut">
               <a:rPr lang="en-US" smtClean="0"/>
-              <a:t>10/7/2015</a:t>
+              <a:t>10/12/2015</a:t>
             </a:fld>
             <a:endParaRPr lang="en-US"/>
           </a:p>
@@ -1031,7 +1037,7 @@
           <a:p>
             <a:fld id="{F8EA0A65-D564-4275-B65B-4D4E4DFBBA87}" type="datetimeFigureOut">
               <a:rPr lang="en-US" smtClean="0"/>
-              <a:t>10/7/2015</a:t>
+              <a:t>10/12/2015</a:t>
             </a:fld>
             <a:endParaRPr lang="en-US"/>
           </a:p>
@@ -1363,7 +1369,7 @@
           <a:p>
             <a:fld id="{F8EA0A65-D564-4275-B65B-4D4E4DFBBA87}" type="datetimeFigureOut">
               <a:rPr lang="en-US" smtClean="0"/>
-              <a:t>10/7/2015</a:t>
+              <a:t>10/12/2015</a:t>
             </a:fld>
             <a:endParaRPr lang="en-US"/>
           </a:p>
@@ -1973,7 +1979,7 @@
           <a:p>
             <a:fld id="{F8EA0A65-D564-4275-B65B-4D4E4DFBBA87}" type="datetimeFigureOut">
               <a:rPr lang="en-US" smtClean="0"/>
-              <a:t>10/7/2015</a:t>
+              <a:t>10/12/2015</a:t>
             </a:fld>
             <a:endParaRPr lang="en-US"/>
           </a:p>
@@ -2820,7 +2826,7 @@
           <a:p>
             <a:fld id="{F8EA0A65-D564-4275-B65B-4D4E4DFBBA87}" type="datetimeFigureOut">
               <a:rPr lang="en-US" smtClean="0"/>
-              <a:t>10/7/2015</a:t>
+              <a:t>10/12/2015</a:t>
             </a:fld>
             <a:endParaRPr lang="en-US"/>
           </a:p>
@@ -2990,7 +2996,7 @@
           <a:p>
             <a:fld id="{F8EA0A65-D564-4275-B65B-4D4E4DFBBA87}" type="datetimeFigureOut">
               <a:rPr lang="en-US" smtClean="0"/>
-              <a:t>10/7/2015</a:t>
+              <a:t>10/12/2015</a:t>
             </a:fld>
             <a:endParaRPr lang="en-US"/>
           </a:p>
@@ -3170,7 +3176,7 @@
           <a:p>
             <a:fld id="{F8EA0A65-D564-4275-B65B-4D4E4DFBBA87}" type="datetimeFigureOut">
               <a:rPr lang="en-US" smtClean="0"/>
-              <a:t>10/7/2015</a:t>
+              <a:t>10/12/2015</a:t>
             </a:fld>
             <a:endParaRPr lang="en-US"/>
           </a:p>
@@ -3340,7 +3346,7 @@
           <a:p>
             <a:fld id="{F8EA0A65-D564-4275-B65B-4D4E4DFBBA87}" type="datetimeFigureOut">
               <a:rPr lang="en-US" smtClean="0"/>
-              <a:t>10/7/2015</a:t>
+              <a:t>10/12/2015</a:t>
             </a:fld>
             <a:endParaRPr lang="en-US"/>
           </a:p>
@@ -3584,7 +3590,7 @@
           <a:p>
             <a:fld id="{F8EA0A65-D564-4275-B65B-4D4E4DFBBA87}" type="datetimeFigureOut">
               <a:rPr lang="en-US" smtClean="0"/>
-              <a:t>10/7/2015</a:t>
+              <a:t>10/12/2015</a:t>
             </a:fld>
             <a:endParaRPr lang="en-US"/>
           </a:p>
@@ -3876,7 +3882,7 @@
           <a:p>
             <a:fld id="{F8EA0A65-D564-4275-B65B-4D4E4DFBBA87}" type="datetimeFigureOut">
               <a:rPr lang="en-US" smtClean="0"/>
-              <a:t>10/7/2015</a:t>
+              <a:t>10/12/2015</a:t>
             </a:fld>
             <a:endParaRPr lang="en-US"/>
           </a:p>
@@ -4314,7 +4320,7 @@
           <a:p>
             <a:fld id="{F8EA0A65-D564-4275-B65B-4D4E4DFBBA87}" type="datetimeFigureOut">
               <a:rPr lang="en-US" smtClean="0"/>
-              <a:t>10/7/2015</a:t>
+              <a:t>10/12/2015</a:t>
             </a:fld>
             <a:endParaRPr lang="en-US"/>
           </a:p>
@@ -4432,7 +4438,7 @@
           <a:p>
             <a:fld id="{F8EA0A65-D564-4275-B65B-4D4E4DFBBA87}" type="datetimeFigureOut">
               <a:rPr lang="en-US" smtClean="0"/>
-              <a:t>10/7/2015</a:t>
+              <a:t>10/12/2015</a:t>
             </a:fld>
             <a:endParaRPr lang="en-US"/>
           </a:p>
@@ -4527,7 +4533,7 @@
           <a:p>
             <a:fld id="{F8EA0A65-D564-4275-B65B-4D4E4DFBBA87}" type="datetimeFigureOut">
               <a:rPr lang="en-US" smtClean="0"/>
-              <a:t>10/7/2015</a:t>
+              <a:t>10/12/2015</a:t>
             </a:fld>
             <a:endParaRPr lang="en-US"/>
           </a:p>
@@ -4806,7 +4812,7 @@
           <a:p>
             <a:fld id="{F8EA0A65-D564-4275-B65B-4D4E4DFBBA87}" type="datetimeFigureOut">
               <a:rPr lang="en-US" smtClean="0"/>
-              <a:t>10/7/2015</a:t>
+              <a:t>10/12/2015</a:t>
             </a:fld>
             <a:endParaRPr lang="en-US"/>
           </a:p>
@@ -5081,7 +5087,7 @@
           <a:p>
             <a:fld id="{F8EA0A65-D564-4275-B65B-4D4E4DFBBA87}" type="datetimeFigureOut">
               <a:rPr lang="en-US" smtClean="0"/>
-              <a:t>10/7/2015</a:t>
+              <a:t>10/12/2015</a:t>
             </a:fld>
             <a:endParaRPr lang="en-US"/>
           </a:p>
@@ -5510,7 +5516,7 @@
           <a:p>
             <a:fld id="{F8EA0A65-D564-4275-B65B-4D4E4DFBBA87}" type="datetimeFigureOut">
               <a:rPr lang="en-US" smtClean="0"/>
-              <a:t>10/7/2015</a:t>
+              <a:t>10/12/2015</a:t>
             </a:fld>
             <a:endParaRPr lang="en-US"/>
           </a:p>
@@ -6456,65 +6462,40 @@
           </a:p>
         </p:txBody>
       </p:sp>
-      <p:sp>
-        <p:nvSpPr>
-          <p:cNvPr id="3" name="Content Placeholder 2"/>
-          <p:cNvSpPr>
-            <a:spLocks noGrp="1"/>
-          </p:cNvSpPr>
-          <p:nvPr>
-            <p:ph idx="1"/>
-          </p:nvPr>
-        </p:nvSpPr>
-        <p:spPr/>
-        <p:txBody>
-          <a:bodyPr/>
-          <a:lstStyle/>
-          <a:p>
-            <a:pPr algn="r" rtl="1"/>
-            <a:r>
-              <a:rPr lang="en-US" dirty="0" smtClean="0">
-                <a:cs typeface="B Roya" panose="00000400000000000000" pitchFamily="2" charset="-78"/>
-              </a:rPr>
-              <a:t>Southbound API</a:t>
-            </a:r>
-          </a:p>
-          <a:p>
-            <a:pPr lvl="1" algn="r" rtl="1"/>
-            <a:r>
-              <a:rPr lang="en-US" dirty="0" smtClean="0">
-                <a:cs typeface="B Roya" panose="00000400000000000000" pitchFamily="2" charset="-78"/>
-              </a:rPr>
-              <a:t>RYU API</a:t>
-            </a:r>
-            <a:endParaRPr lang="en-US" dirty="0">
-              <a:cs typeface="B Roya" panose="00000400000000000000" pitchFamily="2" charset="-78"/>
-            </a:endParaRPr>
-          </a:p>
-          <a:p>
-            <a:pPr algn="r" rtl="1"/>
-            <a:r>
-              <a:rPr lang="en-US" dirty="0" smtClean="0">
-                <a:cs typeface="B Roya" panose="00000400000000000000" pitchFamily="2" charset="-78"/>
-              </a:rPr>
-              <a:t>Northbound API</a:t>
-            </a:r>
-          </a:p>
-          <a:p>
-            <a:pPr lvl="1" algn="r" rtl="1"/>
-            <a:r>
-              <a:rPr lang="en-US" dirty="0" smtClean="0">
-                <a:cs typeface="B Roya" panose="00000400000000000000" pitchFamily="2" charset="-78"/>
-              </a:rPr>
-              <a:t>REST API</a:t>
-            </a:r>
-          </a:p>
-        </p:txBody>
-      </p:sp>
+      <p:pic>
+        <p:nvPicPr>
+          <p:cNvPr id="10" name="Picture 9"/>
+          <p:cNvPicPr>
+            <a:picLocks noChangeAspect="1"/>
+          </p:cNvPicPr>
+          <p:nvPr/>
+        </p:nvPicPr>
+        <p:blipFill>
+          <a:blip r:embed="rId2">
+            <a:extLst>
+              <a:ext uri="{28A0092B-C50C-407E-A947-70E740481C1C}">
+                <a14:useLocalDpi xmlns:a14="http://schemas.microsoft.com/office/drawing/2010/main" val="0"/>
+              </a:ext>
+            </a:extLst>
+          </a:blip>
+          <a:stretch>
+            <a:fillRect/>
+          </a:stretch>
+        </p:blipFill>
+        <p:spPr>
+          <a:xfrm>
+            <a:off x="2414362" y="1381163"/>
+            <a:ext cx="5868219" cy="4382112"/>
+          </a:xfrm>
+          <a:prstGeom prst="rect">
+            <a:avLst/>
+          </a:prstGeom>
+        </p:spPr>
+      </p:pic>
     </p:spTree>
     <p:extLst>
       <p:ext uri="{BB962C8B-B14F-4D97-AF65-F5344CB8AC3E}">
-        <p14:creationId xmlns:p14="http://schemas.microsoft.com/office/powerpoint/2010/main" val="2697323937"/>
+        <p14:creationId xmlns:p14="http://schemas.microsoft.com/office/powerpoint/2010/main" val="2191573038"/>
       </p:ext>
     </p:extLst>
   </p:cSld>
@@ -6645,7 +6626,215 @@
     </p:spTree>
     <p:extLst>
       <p:ext uri="{BB962C8B-B14F-4D97-AF65-F5344CB8AC3E}">
-        <p14:creationId xmlns:p14="http://schemas.microsoft.com/office/powerpoint/2010/main" val="2191573038"/>
+        <p14:creationId xmlns:p14="http://schemas.microsoft.com/office/powerpoint/2010/main" val="2697323937"/>
+      </p:ext>
+    </p:extLst>
+  </p:cSld>
+  <p:clrMapOvr>
+    <a:masterClrMapping/>
+  </p:clrMapOvr>
+</p:sld>
+</file>
+
+<file path=ppt/slides/slide6.xml><?xml version="1.0" encoding="utf-8"?>
+<p:sld xmlns:a="http://schemas.openxmlformats.org/drawingml/2006/main" xmlns:r="http://schemas.openxmlformats.org/officeDocument/2006/relationships" xmlns:p="http://schemas.openxmlformats.org/presentationml/2006/main">
+  <p:cSld>
+    <p:spTree>
+      <p:nvGrpSpPr>
+        <p:cNvPr id="1" name=""/>
+        <p:cNvGrpSpPr/>
+        <p:nvPr/>
+      </p:nvGrpSpPr>
+      <p:grpSpPr>
+        <a:xfrm>
+          <a:off x="0" y="0"/>
+          <a:ext cx="0" cy="0"/>
+          <a:chOff x="0" y="0"/>
+          <a:chExt cx="0" cy="0"/>
+        </a:xfrm>
+      </p:grpSpPr>
+      <p:sp>
+        <p:nvSpPr>
+          <p:cNvPr id="2" name="Title 1"/>
+          <p:cNvSpPr>
+            <a:spLocks noGrp="1"/>
+          </p:cNvSpPr>
+          <p:nvPr>
+            <p:ph type="title"/>
+          </p:nvPr>
+        </p:nvSpPr>
+        <p:spPr/>
+        <p:txBody>
+          <a:bodyPr/>
+          <a:lstStyle/>
+          <a:p>
+            <a:pPr algn="ctr" rtl="1"/>
+            <a:r>
+              <a:rPr lang="fa-IR" dirty="0">
+                <a:solidFill>
+                  <a:srgbClr val="FFC000"/>
+                </a:solidFill>
+                <a:cs typeface="B Roya" panose="00000400000000000000" pitchFamily="2" charset="-78"/>
+              </a:rPr>
+              <a:t>پیاده </a:t>
+            </a:r>
+            <a:r>
+              <a:rPr lang="fa-IR" dirty="0" smtClean="0">
+                <a:solidFill>
+                  <a:srgbClr val="FFC000"/>
+                </a:solidFill>
+                <a:cs typeface="B Roya" panose="00000400000000000000" pitchFamily="2" charset="-78"/>
+              </a:rPr>
+              <a:t>سازی </a:t>
+            </a:r>
+            <a:r>
+              <a:rPr lang="en-US" dirty="0" smtClean="0">
+                <a:solidFill>
+                  <a:srgbClr val="FFC000"/>
+                </a:solidFill>
+                <a:cs typeface="B Roya" panose="00000400000000000000" pitchFamily="2" charset="-78"/>
+              </a:rPr>
+              <a:t>address Table</a:t>
+            </a:r>
+            <a:r>
+              <a:rPr lang="fa-IR" dirty="0" smtClean="0">
+                <a:solidFill>
+                  <a:srgbClr val="FFC000"/>
+                </a:solidFill>
+                <a:cs typeface="B Roya" panose="00000400000000000000" pitchFamily="2" charset="-78"/>
+              </a:rPr>
+              <a:t> </a:t>
+            </a:r>
+            <a:r>
+              <a:rPr lang="en-US" dirty="0" smtClean="0">
+                <a:solidFill>
+                  <a:srgbClr val="FFC000"/>
+                </a:solidFill>
+                <a:cs typeface="B Roya" panose="00000400000000000000" pitchFamily="2" charset="-78"/>
+              </a:rPr>
+              <a:t>MAC</a:t>
+            </a:r>
+            <a:endParaRPr lang="en-US" dirty="0">
+              <a:solidFill>
+                <a:srgbClr val="FFC000"/>
+              </a:solidFill>
+              <a:cs typeface="B Roya" panose="00000400000000000000" pitchFamily="2" charset="-78"/>
+            </a:endParaRPr>
+          </a:p>
+        </p:txBody>
+      </p:sp>
+      <p:sp>
+        <p:nvSpPr>
+          <p:cNvPr id="3" name="Content Placeholder 2"/>
+          <p:cNvSpPr>
+            <a:spLocks noGrp="1"/>
+          </p:cNvSpPr>
+          <p:nvPr>
+            <p:ph idx="1"/>
+          </p:nvPr>
+        </p:nvSpPr>
+        <p:spPr>
+          <a:xfrm>
+            <a:off x="1103312" y="2063935"/>
+            <a:ext cx="8946541" cy="4195481"/>
+          </a:xfrm>
+        </p:spPr>
+        <p:txBody>
+          <a:bodyPr/>
+          <a:lstStyle/>
+          <a:p>
+            <a:pPr algn="r" rtl="1"/>
+            <a:r>
+              <a:rPr lang="fa-IR" dirty="0" smtClean="0">
+                <a:cs typeface="B Roya" panose="00000400000000000000" pitchFamily="2" charset="-78"/>
+              </a:rPr>
+              <a:t>جمع آوری </a:t>
+            </a:r>
+            <a:r>
+              <a:rPr lang="fa-IR" dirty="0" smtClean="0">
+                <a:cs typeface="B Roya" panose="00000400000000000000" pitchFamily="2" charset="-78"/>
+              </a:rPr>
+              <a:t>ارتباط میان </a:t>
+            </a:r>
+            <a:r>
+              <a:rPr lang="en-US" dirty="0" smtClean="0">
+                <a:cs typeface="B Roya" panose="00000400000000000000" pitchFamily="2" charset="-78"/>
+              </a:rPr>
+              <a:t>MAC address</a:t>
+            </a:r>
+            <a:r>
+              <a:rPr lang="fa-IR" dirty="0" smtClean="0">
+                <a:cs typeface="B Roya" panose="00000400000000000000" pitchFamily="2" charset="-78"/>
+              </a:rPr>
+              <a:t>های موجود در </a:t>
+            </a:r>
+            <a:r>
+              <a:rPr lang="en-US" dirty="0" smtClean="0">
+                <a:cs typeface="B Roya" panose="00000400000000000000" pitchFamily="2" charset="-78"/>
+              </a:rPr>
+              <a:t>customer site</a:t>
+            </a:r>
+            <a:r>
+              <a:rPr lang="fa-IR" dirty="0" smtClean="0">
+                <a:cs typeface="B Roya" panose="00000400000000000000" pitchFamily="2" charset="-78"/>
+              </a:rPr>
+              <a:t>ها و </a:t>
+            </a:r>
+            <a:r>
+              <a:rPr lang="en-US" dirty="0" smtClean="0">
+                <a:cs typeface="B Roya" panose="00000400000000000000" pitchFamily="2" charset="-78"/>
+              </a:rPr>
+              <a:t>PE</a:t>
+            </a:r>
+            <a:r>
+              <a:rPr lang="fa-IR" dirty="0" smtClean="0">
+                <a:cs typeface="B Roya" panose="00000400000000000000" pitchFamily="2" charset="-78"/>
+              </a:rPr>
+              <a:t>ها</a:t>
+            </a:r>
+          </a:p>
+          <a:p>
+            <a:pPr algn="r" rtl="1"/>
+            <a:r>
+              <a:rPr lang="fa-IR" dirty="0" smtClean="0">
+                <a:cs typeface="B Roya" panose="00000400000000000000" pitchFamily="2" charset="-78"/>
+              </a:rPr>
+              <a:t>توزیع این اطلاعات در جدول </a:t>
+            </a:r>
+            <a:r>
+              <a:rPr lang="en-US" dirty="0" smtClean="0">
+                <a:cs typeface="B Roya" panose="00000400000000000000" pitchFamily="2" charset="-78"/>
+              </a:rPr>
+              <a:t>flow</a:t>
+            </a:r>
+            <a:r>
+              <a:rPr lang="fa-IR" dirty="0" smtClean="0">
+                <a:cs typeface="B Roya" panose="00000400000000000000" pitchFamily="2" charset="-78"/>
+              </a:rPr>
+              <a:t>های </a:t>
+            </a:r>
+            <a:r>
+              <a:rPr lang="en-US" dirty="0" smtClean="0">
+                <a:cs typeface="B Roya" panose="00000400000000000000" pitchFamily="2" charset="-78"/>
+              </a:rPr>
+              <a:t>PE</a:t>
+            </a:r>
+            <a:r>
+              <a:rPr lang="fa-IR" smtClean="0">
+                <a:cs typeface="B Roya" panose="00000400000000000000" pitchFamily="2" charset="-78"/>
+              </a:rPr>
+              <a:t>ها</a:t>
+            </a:r>
+            <a:endParaRPr lang="en-US" dirty="0" smtClean="0">
+              <a:cs typeface="B Roya" panose="00000400000000000000" pitchFamily="2" charset="-78"/>
+            </a:endParaRPr>
+          </a:p>
+        </p:txBody>
+      </p:sp>
+    </p:spTree>
+    <p:extLst>
+      <p:ext uri="{BB962C8B-B14F-4D97-AF65-F5344CB8AC3E}">
+        <p14:creationId xmlns:p14="http://schemas.microsoft.com/office/powerpoint/2010/main" val="2439315423"/>
       </p:ext>
     </p:extLst>
   </p:cSld>
